--- a/Video Ver1/Video PPT/8. Primary Key.pptx
+++ b/Video Ver1/Video PPT/8. Primary Key.pptx
@@ -5,14 +5,13 @@
     <p:sldMasterId id="2147483648" r:id="rId1"/>
   </p:sldMasterIdLst>
   <p:notesMasterIdLst>
-    <p:notesMasterId r:id="rId7"/>
+    <p:notesMasterId r:id="rId6"/>
   </p:notesMasterIdLst>
   <p:sldIdLst>
     <p:sldId id="1207" r:id="rId2"/>
     <p:sldId id="1208" r:id="rId3"/>
     <p:sldId id="1231" r:id="rId4"/>
     <p:sldId id="1232" r:id="rId5"/>
-    <p:sldId id="1233" r:id="rId6"/>
   </p:sldIdLst>
   <p:sldSz cx="12190413" cy="6858000"/>
   <p:notesSz cx="6858000" cy="9144000"/>
@@ -113,7 +112,7 @@
   </p:defaultTextStyle>
   <p:extLst>
     <p:ext uri="{521415D9-36F7-43E2-AB2F-B90AF26B5E84}">
-      <p14:sectionLst xmlns:p14="http://schemas.microsoft.com/office/powerpoint/2010/main" xmlns="">
+      <p14:sectionLst xmlns="" xmlns:p14="http://schemas.microsoft.com/office/powerpoint/2010/main">
         <p14:section name="Introduction" id="{A3D14946-8297-4856-B082-4FEFA482017C}">
           <p14:sldIdLst>
             <p14:sldId id="282"/>
@@ -754,7 +753,7 @@
       </p14:sectionLst>
     </p:ext>
     <p:ext uri="{EFAFB233-063F-42B5-8137-9DF3F51BA10A}">
-      <p15:sldGuideLst xmlns:p15="http://schemas.microsoft.com/office/powerpoint/2012/main" xmlns="">
+      <p15:sldGuideLst xmlns="" xmlns:p15="http://schemas.microsoft.com/office/powerpoint/2012/main">
         <p15:guide id="1" orient="horz" pos="2160">
           <p15:clr>
             <a:srgbClr val="A4A3A4"/>
@@ -776,7 +775,7 @@
   <p:cmAuthor id="1" name="Saleel" initials="S" lastIdx="1" clrIdx="0">
     <p:extLst>
       <p:ext uri="{19B8F6BF-5375-455C-9EA6-DF929625EA0E}">
-        <p15:presenceInfo xmlns:p15="http://schemas.microsoft.com/office/powerpoint/2012/main" xmlns="" userId="Saleel" providerId="None"/>
+        <p15:presenceInfo xmlns="" xmlns:p15="http://schemas.microsoft.com/office/powerpoint/2012/main" userId="Saleel" providerId="None"/>
       </p:ext>
     </p:extLst>
   </p:cmAuthor>
@@ -866,7 +865,7 @@
             <a:fld id="{4DF51050-3720-483B-B552-57DC1341D582}" type="datetimeFigureOut">
               <a:rPr lang="en-US" smtClean="0"/>
               <a:pPr/>
-              <a:t>6/4/2020</a:t>
+              <a:t>6/6/2020</a:t>
             </a:fld>
             <a:endParaRPr lang="en-US"/>
           </a:p>
@@ -1325,7 +1324,7 @@
             <a:fld id="{EEE556E8-492E-4E8F-8E7F-7A7787724D01}" type="datetimeFigureOut">
               <a:rPr lang="en-US" smtClean="0"/>
               <a:pPr/>
-              <a:t>6/4/2020</a:t>
+              <a:t>6/6/2020</a:t>
             </a:fld>
             <a:endParaRPr lang="en-US"/>
           </a:p>
@@ -1530,7 +1529,7 @@
             <a:fld id="{EEE556E8-492E-4E8F-8E7F-7A7787724D01}" type="datetimeFigureOut">
               <a:rPr lang="en-US" smtClean="0"/>
               <a:pPr/>
-              <a:t>6/4/2020</a:t>
+              <a:t>6/6/2020</a:t>
             </a:fld>
             <a:endParaRPr lang="en-US"/>
           </a:p>
@@ -1735,7 +1734,7 @@
             <a:fld id="{EEE556E8-492E-4E8F-8E7F-7A7787724D01}" type="datetimeFigureOut">
               <a:rPr lang="en-US" smtClean="0"/>
               <a:pPr/>
-              <a:t>6/4/2020</a:t>
+              <a:t>6/6/2020</a:t>
             </a:fld>
             <a:endParaRPr lang="en-US"/>
           </a:p>
@@ -1940,7 +1939,7 @@
             <a:fld id="{EEE556E8-492E-4E8F-8E7F-7A7787724D01}" type="datetimeFigureOut">
               <a:rPr lang="en-US" smtClean="0"/>
               <a:pPr/>
-              <a:t>6/4/2020</a:t>
+              <a:t>6/6/2020</a:t>
             </a:fld>
             <a:endParaRPr lang="en-US"/>
           </a:p>
@@ -2212,7 +2211,7 @@
             <a:fld id="{EEE556E8-492E-4E8F-8E7F-7A7787724D01}" type="datetimeFigureOut">
               <a:rPr lang="en-US" smtClean="0"/>
               <a:pPr/>
-              <a:t>6/4/2020</a:t>
+              <a:t>6/6/2020</a:t>
             </a:fld>
             <a:endParaRPr lang="en-US"/>
           </a:p>
@@ -2532,7 +2531,7 @@
             <a:fld id="{EEE556E8-492E-4E8F-8E7F-7A7787724D01}" type="datetimeFigureOut">
               <a:rPr lang="en-US" smtClean="0"/>
               <a:pPr/>
-              <a:t>6/4/2020</a:t>
+              <a:t>6/6/2020</a:t>
             </a:fld>
             <a:endParaRPr lang="en-US"/>
           </a:p>
@@ -2992,7 +2991,7 @@
             <a:fld id="{EEE556E8-492E-4E8F-8E7F-7A7787724D01}" type="datetimeFigureOut">
               <a:rPr lang="en-US" smtClean="0"/>
               <a:pPr/>
-              <a:t>6/4/2020</a:t>
+              <a:t>6/6/2020</a:t>
             </a:fld>
             <a:endParaRPr lang="en-US"/>
           </a:p>
@@ -3138,7 +3137,7 @@
             <a:fld id="{EEE556E8-492E-4E8F-8E7F-7A7787724D01}" type="datetimeFigureOut">
               <a:rPr lang="en-US" smtClean="0"/>
               <a:pPr/>
-              <a:t>6/4/2020</a:t>
+              <a:t>6/6/2020</a:t>
             </a:fld>
             <a:endParaRPr lang="en-US"/>
           </a:p>
@@ -3468,7 +3467,7 @@
             <a:fld id="{EEE556E8-492E-4E8F-8E7F-7A7787724D01}" type="datetimeFigureOut">
               <a:rPr lang="en-US" smtClean="0"/>
               <a:pPr/>
-              <a:t>6/4/2020</a:t>
+              <a:t>6/6/2020</a:t>
             </a:fld>
             <a:endParaRPr lang="en-US"/>
           </a:p>
@@ -3750,7 +3749,7 @@
             <a:fld id="{EEE556E8-492E-4E8F-8E7F-7A7787724D01}" type="datetimeFigureOut">
               <a:rPr lang="en-US" smtClean="0"/>
               <a:pPr/>
-              <a:t>6/4/2020</a:t>
+              <a:t>6/6/2020</a:t>
             </a:fld>
             <a:endParaRPr lang="en-US"/>
           </a:p>
@@ -4136,7 +4135,7 @@
           <p:cNvPr id="8" name="Picture 7">
             <a:extLst>
               <a:ext uri="{FF2B5EF4-FFF2-40B4-BE49-F238E27FC236}">
-                <a16:creationId xmlns:a16="http://schemas.microsoft.com/office/drawing/2014/main" xmlns="" id="{FF24E983-0C73-4002-AA14-199E8763DD65}"/>
+                <a16:creationId xmlns="" xmlns:a16="http://schemas.microsoft.com/office/drawing/2014/main" id="{FF24E983-0C73-4002-AA14-199E8763DD65}"/>
               </a:ext>
             </a:extLst>
           </p:cNvPr>
@@ -4149,7 +4148,7 @@
           <a:blip r:embed="rId2" cstate="print">
             <a:extLst>
               <a:ext uri="{28A0092B-C50C-407E-A947-70E740481C1C}">
-                <a14:useLocalDpi xmlns:a14="http://schemas.microsoft.com/office/drawing/2010/main" xmlns="" val="0"/>
+                <a14:useLocalDpi xmlns="" xmlns:a14="http://schemas.microsoft.com/office/drawing/2010/main" val="0"/>
               </a:ext>
             </a:extLst>
           </a:blip>
@@ -4172,7 +4171,7 @@
           <p:cNvPr id="7" name="Footer Placeholder 2">
             <a:extLst>
               <a:ext uri="{FF2B5EF4-FFF2-40B4-BE49-F238E27FC236}">
-                <a16:creationId xmlns:a16="http://schemas.microsoft.com/office/drawing/2014/main" xmlns="" id="{E14F7621-66C5-47D6-A8C7-2B6C3CD2205A}"/>
+                <a16:creationId xmlns="" xmlns:a16="http://schemas.microsoft.com/office/drawing/2014/main" id="{E14F7621-66C5-47D6-A8C7-2B6C3CD2205A}"/>
               </a:ext>
             </a:extLst>
           </p:cNvPr>
@@ -4383,7 +4382,7 @@
         <p:spPr>
           <a:xfrm>
             <a:off x="622598" y="3429000"/>
-            <a:ext cx="11017224" cy="923330"/>
+            <a:ext cx="11017224" cy="1200329"/>
           </a:xfrm>
           <a:prstGeom prst="rect">
             <a:avLst/>
@@ -4396,27 +4395,21 @@
           <a:lstStyle/>
           <a:p>
             <a:r>
-              <a:rPr lang="en-US" dirty="0" smtClean="0"/>
-              <a:t>Choosing a primary key is one of the most important steps in good database design. A primary key is a column that serves a special purpose. </a:t>
-            </a:r>
-            <a:r>
               <a:rPr lang="en-US" dirty="0" smtClean="0">
                 <a:latin typeface="Palatino Linotype" pitchFamily="18" charset="0"/>
               </a:rPr>
-              <a:t>A primary key is a special column (or set of combined columns) in a relational database table, that is used to uniquely identify each record. </a:t>
-            </a:r>
-            <a:r>
-              <a:rPr lang="en-US" dirty="0" smtClean="0"/>
-              <a:t>Each database table needs a primary key.</a:t>
-            </a:r>
-            <a:endParaRPr lang="en-US" dirty="0"/>
+              <a:t>Choosing a primary key is one of the most important steps in good database design. A primary key is a column that serves a special purpose. A primary key is a special column (or set of combined columns) in a relational database table, that is used to uniquely identify each record. Each database table needs a primary key.</a:t>
+            </a:r>
+            <a:endParaRPr lang="en-US" dirty="0">
+              <a:latin typeface="Palatino Linotype" pitchFamily="18" charset="0"/>
+            </a:endParaRPr>
           </a:p>
         </p:txBody>
       </p:sp>
     </p:spTree>
     <p:extLst>
       <p:ext uri="{BB962C8B-B14F-4D97-AF65-F5344CB8AC3E}">
-        <p14:creationId xmlns:p14="http://schemas.microsoft.com/office/powerpoint/2010/main" xmlns="" val="2547664928"/>
+        <p14:creationId xmlns="" xmlns:p14="http://schemas.microsoft.com/office/powerpoint/2010/main" val="2547664928"/>
       </p:ext>
     </p:extLst>
   </p:cSld>
@@ -4521,7 +4514,7 @@
           <p:cNvPr id="8" name="Picture 7">
             <a:extLst>
               <a:ext uri="{FF2B5EF4-FFF2-40B4-BE49-F238E27FC236}">
-                <a16:creationId xmlns:a16="http://schemas.microsoft.com/office/drawing/2014/main" xmlns="" id="{CA300AF8-3A8B-41EE-96B3-AEAC198AD8CA}"/>
+                <a16:creationId xmlns="" xmlns:a16="http://schemas.microsoft.com/office/drawing/2014/main" id="{CA300AF8-3A8B-41EE-96B3-AEAC198AD8CA}"/>
               </a:ext>
             </a:extLst>
           </p:cNvPr>
@@ -4534,7 +4527,7 @@
           <a:blip r:embed="rId2" cstate="print">
             <a:extLst>
               <a:ext uri="{28A0092B-C50C-407E-A947-70E740481C1C}">
-                <a14:useLocalDpi xmlns:a14="http://schemas.microsoft.com/office/drawing/2010/main" xmlns="" val="0"/>
+                <a14:useLocalDpi xmlns="" xmlns:a14="http://schemas.microsoft.com/office/drawing/2010/main" val="0"/>
               </a:ext>
             </a:extLst>
           </a:blip>
@@ -4557,7 +4550,7 @@
           <p:cNvPr id="9" name="Footer Placeholder 2">
             <a:extLst>
               <a:ext uri="{FF2B5EF4-FFF2-40B4-BE49-F238E27FC236}">
-                <a16:creationId xmlns:a16="http://schemas.microsoft.com/office/drawing/2014/main" xmlns="" id="{49968677-CC8A-4C35-AABA-97CFF73A1AB5}"/>
+                <a16:creationId xmlns="" xmlns:a16="http://schemas.microsoft.com/office/drawing/2014/main" id="{49968677-CC8A-4C35-AABA-97CFF73A1AB5}"/>
               </a:ext>
             </a:extLst>
           </p:cNvPr>
@@ -4689,7 +4682,7 @@
           <p:cNvPr id="10" name="Rectangle 9">
             <a:extLst>
               <a:ext uri="{FF2B5EF4-FFF2-40B4-BE49-F238E27FC236}">
-                <a16:creationId xmlns:a16="http://schemas.microsoft.com/office/drawing/2014/main" xmlns="" id="{09A4DD51-F450-4FA7-BA18-C2A26D10D72C}"/>
+                <a16:creationId xmlns="" xmlns:a16="http://schemas.microsoft.com/office/drawing/2014/main" id="{09A4DD51-F450-4FA7-BA18-C2A26D10D72C}"/>
               </a:ext>
             </a:extLst>
           </p:cNvPr>
@@ -4764,7 +4757,7 @@
           <p:cNvPr id="12" name="Rectangle 11">
             <a:extLst>
               <a:ext uri="{FF2B5EF4-FFF2-40B4-BE49-F238E27FC236}">
-                <a16:creationId xmlns:a16="http://schemas.microsoft.com/office/drawing/2014/main" xmlns="" id="{63045821-95B0-4EF7-B515-933F86C0D2DA}"/>
+                <a16:creationId xmlns="" xmlns:a16="http://schemas.microsoft.com/office/drawing/2014/main" id="{63045821-95B0-4EF7-B515-933F86C0D2DA}"/>
               </a:ext>
             </a:extLst>
           </p:cNvPr>
@@ -4889,7 +4882,7 @@
           <p:cNvPr id="13" name="TextBox 12">
             <a:extLst>
               <a:ext uri="{FF2B5EF4-FFF2-40B4-BE49-F238E27FC236}">
-                <a16:creationId xmlns:a16="http://schemas.microsoft.com/office/drawing/2014/main" xmlns="" id="{50270A80-E55D-414D-A389-6A5BA4F1C790}"/>
+                <a16:creationId xmlns="" xmlns:a16="http://schemas.microsoft.com/office/drawing/2014/main" id="{50270A80-E55D-414D-A389-6A5BA4F1C790}"/>
               </a:ext>
             </a:extLst>
           </p:cNvPr>
@@ -5196,7 +5189,7 @@
     </p:spTree>
     <p:extLst>
       <p:ext uri="{BB962C8B-B14F-4D97-AF65-F5344CB8AC3E}">
-        <p14:creationId xmlns:p14="http://schemas.microsoft.com/office/powerpoint/2010/main" xmlns="" val="2850906017"/>
+        <p14:creationId xmlns="" xmlns:p14="http://schemas.microsoft.com/office/powerpoint/2010/main" val="2850906017"/>
       </p:ext>
     </p:extLst>
   </p:cSld>
@@ -5419,7 +5412,7 @@
           <p:cNvPr id="8" name="Picture 7">
             <a:extLst>
               <a:ext uri="{FF2B5EF4-FFF2-40B4-BE49-F238E27FC236}">
-                <a16:creationId xmlns:a16="http://schemas.microsoft.com/office/drawing/2014/main" xmlns="" id="{CA300AF8-3A8B-41EE-96B3-AEAC198AD8CA}"/>
+                <a16:creationId xmlns="" xmlns:a16="http://schemas.microsoft.com/office/drawing/2014/main" id="{CA300AF8-3A8B-41EE-96B3-AEAC198AD8CA}"/>
               </a:ext>
             </a:extLst>
           </p:cNvPr>
@@ -5432,7 +5425,7 @@
           <a:blip r:embed="rId2" cstate="print">
             <a:extLst>
               <a:ext uri="{28A0092B-C50C-407E-A947-70E740481C1C}">
-                <a14:useLocalDpi xmlns:a14="http://schemas.microsoft.com/office/drawing/2010/main" xmlns="" val="0"/>
+                <a14:useLocalDpi xmlns="" xmlns:a14="http://schemas.microsoft.com/office/drawing/2010/main" val="0"/>
               </a:ext>
             </a:extLst>
           </a:blip>
@@ -5455,7 +5448,7 @@
           <p:cNvPr id="9" name="Footer Placeholder 2">
             <a:extLst>
               <a:ext uri="{FF2B5EF4-FFF2-40B4-BE49-F238E27FC236}">
-                <a16:creationId xmlns:a16="http://schemas.microsoft.com/office/drawing/2014/main" xmlns="" id="{49968677-CC8A-4C35-AABA-97CFF73A1AB5}"/>
+                <a16:creationId xmlns="" xmlns:a16="http://schemas.microsoft.com/office/drawing/2014/main" id="{49968677-CC8A-4C35-AABA-97CFF73A1AB5}"/>
               </a:ext>
             </a:extLst>
           </p:cNvPr>
@@ -5587,7 +5580,7 @@
           <p:cNvPr id="10" name="Rectangle 9">
             <a:extLst>
               <a:ext uri="{FF2B5EF4-FFF2-40B4-BE49-F238E27FC236}">
-                <a16:creationId xmlns:a16="http://schemas.microsoft.com/office/drawing/2014/main" xmlns="" id="{09A4DD51-F450-4FA7-BA18-C2A26D10D72C}"/>
+                <a16:creationId xmlns="" xmlns:a16="http://schemas.microsoft.com/office/drawing/2014/main" id="{09A4DD51-F450-4FA7-BA18-C2A26D10D72C}"/>
               </a:ext>
             </a:extLst>
           </p:cNvPr>
@@ -6082,7 +6075,7 @@
     </p:spTree>
     <p:extLst>
       <p:ext uri="{BB962C8B-B14F-4D97-AF65-F5344CB8AC3E}">
-        <p14:creationId xmlns:p14="http://schemas.microsoft.com/office/powerpoint/2010/main" xmlns="" val="2850906017"/>
+        <p14:creationId xmlns="" xmlns:p14="http://schemas.microsoft.com/office/powerpoint/2010/main" val="2850906017"/>
       </p:ext>
     </p:extLst>
   </p:cSld>
@@ -6188,620 +6181,7 @@
           <p:cNvPr id="8" name="Picture 7">
             <a:extLst>
               <a:ext uri="{FF2B5EF4-FFF2-40B4-BE49-F238E27FC236}">
-                <a16:creationId xmlns:a16="http://schemas.microsoft.com/office/drawing/2014/main" xmlns="" id="{CA300AF8-3A8B-41EE-96B3-AEAC198AD8CA}"/>
-              </a:ext>
-            </a:extLst>
-          </p:cNvPr>
-          <p:cNvPicPr>
-            <a:picLocks noChangeAspect="1"/>
-          </p:cNvPicPr>
-          <p:nvPr/>
-        </p:nvPicPr>
-        <p:blipFill>
-          <a:blip r:embed="rId2" cstate="print">
-            <a:extLst>
-              <a:ext uri="{28A0092B-C50C-407E-A947-70E740481C1C}">
-                <a14:useLocalDpi xmlns:a14="http://schemas.microsoft.com/office/drawing/2010/main" xmlns="" val="0"/>
-              </a:ext>
-            </a:extLst>
-          </a:blip>
-          <a:stretch>
-            <a:fillRect/>
-          </a:stretch>
-        </p:blipFill>
-        <p:spPr>
-          <a:xfrm>
-            <a:off x="118542" y="116632"/>
-            <a:ext cx="1371859" cy="445150"/>
-          </a:xfrm>
-          <a:prstGeom prst="rect">
-            <a:avLst/>
-          </a:prstGeom>
-        </p:spPr>
-      </p:pic>
-      <p:sp>
-        <p:nvSpPr>
-          <p:cNvPr id="9" name="Footer Placeholder 2">
-            <a:extLst>
-              <a:ext uri="{FF2B5EF4-FFF2-40B4-BE49-F238E27FC236}">
-                <a16:creationId xmlns:a16="http://schemas.microsoft.com/office/drawing/2014/main" xmlns="" id="{49968677-CC8A-4C35-AABA-97CFF73A1AB5}"/>
-              </a:ext>
-            </a:extLst>
-          </p:cNvPr>
-          <p:cNvSpPr txBox="1">
-            <a:spLocks/>
-          </p:cNvSpPr>
-          <p:nvPr/>
-        </p:nvSpPr>
-        <p:spPr>
-          <a:xfrm>
-            <a:off x="3237431" y="6523037"/>
-            <a:ext cx="5400600" cy="365125"/>
-          </a:xfrm>
-          <a:prstGeom prst="rect">
-            <a:avLst/>
-          </a:prstGeom>
-        </p:spPr>
-        <p:txBody>
-          <a:bodyPr/>
-          <a:lstStyle>
-            <a:defPPr>
-              <a:defRPr lang="en-US"/>
-            </a:defPPr>
-            <a:lvl1pPr marL="0" algn="l" defTabSz="914400" rtl="0" eaLnBrk="1" latinLnBrk="0" hangingPunct="1">
-              <a:defRPr sz="1050" kern="1200">
-                <a:solidFill>
-                  <a:schemeClr val="tx1"/>
-                </a:solidFill>
-                <a:latin typeface="+mn-lt"/>
-                <a:ea typeface="+mn-ea"/>
-                <a:cs typeface="+mn-cs"/>
-              </a:defRPr>
-            </a:lvl1pPr>
-            <a:lvl2pPr marL="457200" algn="l" defTabSz="914400" rtl="0" eaLnBrk="1" latinLnBrk="0" hangingPunct="1">
-              <a:defRPr sz="1800" kern="1200">
-                <a:solidFill>
-                  <a:schemeClr val="tx1"/>
-                </a:solidFill>
-                <a:latin typeface="+mn-lt"/>
-                <a:ea typeface="+mn-ea"/>
-                <a:cs typeface="+mn-cs"/>
-              </a:defRPr>
-            </a:lvl2pPr>
-            <a:lvl3pPr marL="914400" algn="l" defTabSz="914400" rtl="0" eaLnBrk="1" latinLnBrk="0" hangingPunct="1">
-              <a:defRPr sz="1800" kern="1200">
-                <a:solidFill>
-                  <a:schemeClr val="tx1"/>
-                </a:solidFill>
-                <a:latin typeface="+mn-lt"/>
-                <a:ea typeface="+mn-ea"/>
-                <a:cs typeface="+mn-cs"/>
-              </a:defRPr>
-            </a:lvl3pPr>
-            <a:lvl4pPr marL="1371600" algn="l" defTabSz="914400" rtl="0" eaLnBrk="1" latinLnBrk="0" hangingPunct="1">
-              <a:defRPr sz="1800" kern="1200">
-                <a:solidFill>
-                  <a:schemeClr val="tx1"/>
-                </a:solidFill>
-                <a:latin typeface="+mn-lt"/>
-                <a:ea typeface="+mn-ea"/>
-                <a:cs typeface="+mn-cs"/>
-              </a:defRPr>
-            </a:lvl4pPr>
-            <a:lvl5pPr marL="1828800" algn="l" defTabSz="914400" rtl="0" eaLnBrk="1" latinLnBrk="0" hangingPunct="1">
-              <a:defRPr sz="1800" kern="1200">
-                <a:solidFill>
-                  <a:schemeClr val="tx1"/>
-                </a:solidFill>
-                <a:latin typeface="+mn-lt"/>
-                <a:ea typeface="+mn-ea"/>
-                <a:cs typeface="+mn-cs"/>
-              </a:defRPr>
-            </a:lvl5pPr>
-            <a:lvl6pPr marL="2286000" algn="l" defTabSz="914400" rtl="0" eaLnBrk="1" latinLnBrk="0" hangingPunct="1">
-              <a:defRPr sz="1800" kern="1200">
-                <a:solidFill>
-                  <a:schemeClr val="tx1"/>
-                </a:solidFill>
-                <a:latin typeface="+mn-lt"/>
-                <a:ea typeface="+mn-ea"/>
-                <a:cs typeface="+mn-cs"/>
-              </a:defRPr>
-            </a:lvl6pPr>
-            <a:lvl7pPr marL="2743200" algn="l" defTabSz="914400" rtl="0" eaLnBrk="1" latinLnBrk="0" hangingPunct="1">
-              <a:defRPr sz="1800" kern="1200">
-                <a:solidFill>
-                  <a:schemeClr val="tx1"/>
-                </a:solidFill>
-                <a:latin typeface="+mn-lt"/>
-                <a:ea typeface="+mn-ea"/>
-                <a:cs typeface="+mn-cs"/>
-              </a:defRPr>
-            </a:lvl7pPr>
-            <a:lvl8pPr marL="3200400" algn="l" defTabSz="914400" rtl="0" eaLnBrk="1" latinLnBrk="0" hangingPunct="1">
-              <a:defRPr sz="1800" kern="1200">
-                <a:solidFill>
-                  <a:schemeClr val="tx1"/>
-                </a:solidFill>
-                <a:latin typeface="+mn-lt"/>
-                <a:ea typeface="+mn-ea"/>
-                <a:cs typeface="+mn-cs"/>
-              </a:defRPr>
-            </a:lvl8pPr>
-            <a:lvl9pPr marL="3657600" algn="l" defTabSz="914400" rtl="0" eaLnBrk="1" latinLnBrk="0" hangingPunct="1">
-              <a:defRPr sz="1800" kern="1200">
-                <a:solidFill>
-                  <a:schemeClr val="tx1"/>
-                </a:solidFill>
-                <a:latin typeface="+mn-lt"/>
-                <a:ea typeface="+mn-ea"/>
-                <a:cs typeface="+mn-cs"/>
-              </a:defRPr>
-            </a:lvl9pPr>
-          </a:lstStyle>
-          <a:p>
-            <a:r>
-              <a:rPr lang="en-US" dirty="0"/>
-              <a:t>Infoway Technologies, 3rd  Floor Commerce Centre, Rambaug Colony, Paud Road Pune 411038</a:t>
-            </a:r>
-            <a:endParaRPr lang="en-IN" dirty="0"/>
-          </a:p>
-          <a:p>
-            <a:endParaRPr lang="en-US" dirty="0"/>
-          </a:p>
-        </p:txBody>
-      </p:sp>
-      <p:sp>
-        <p:nvSpPr>
-          <p:cNvPr id="10" name="Rectangle 9">
-            <a:extLst>
-              <a:ext uri="{FF2B5EF4-FFF2-40B4-BE49-F238E27FC236}">
-                <a16:creationId xmlns:a16="http://schemas.microsoft.com/office/drawing/2014/main" xmlns="" id="{09A4DD51-F450-4FA7-BA18-C2A26D10D72C}"/>
-              </a:ext>
-            </a:extLst>
-          </p:cNvPr>
-          <p:cNvSpPr/>
-          <p:nvPr/>
-        </p:nvSpPr>
-        <p:spPr>
-          <a:xfrm>
-            <a:off x="1523802" y="2"/>
-            <a:ext cx="9142810" cy="837473"/>
-          </a:xfrm>
-          <a:prstGeom prst="rect">
-            <a:avLst/>
-          </a:prstGeom>
-          <a:solidFill>
-            <a:schemeClr val="bg1"/>
-          </a:solidFill>
-        </p:spPr>
-        <p:txBody>
-          <a:bodyPr wrap="square">
-            <a:spAutoFit/>
-          </a:bodyPr>
-          <a:lstStyle/>
-          <a:p>
-            <a:pPr algn="r" fontAlgn="base">
-              <a:lnSpc>
-                <a:spcPct val="150000"/>
-              </a:lnSpc>
-            </a:pPr>
-            <a:r>
-              <a:rPr lang="en-US" sz="3600" dirty="0" smtClean="0"/>
-              <a:t>Composit key</a:t>
-            </a:r>
-            <a:endParaRPr lang="en-US" sz="3600" dirty="0"/>
-          </a:p>
-        </p:txBody>
-      </p:sp>
-      <p:sp>
-        <p:nvSpPr>
-          <p:cNvPr id="11" name="Rectangle 10"/>
-          <p:cNvSpPr/>
-          <p:nvPr/>
-        </p:nvSpPr>
-        <p:spPr>
-          <a:xfrm>
-            <a:off x="11755679" y="0"/>
-            <a:ext cx="434734" cy="369332"/>
-          </a:xfrm>
-          <a:prstGeom prst="rect">
-            <a:avLst/>
-          </a:prstGeom>
-        </p:spPr>
-        <p:txBody>
-          <a:bodyPr wrap="none">
-            <a:spAutoFit/>
-          </a:bodyPr>
-          <a:lstStyle/>
-          <a:p>
-            <a:r>
-              <a:rPr lang="en-IN" dirty="0" smtClean="0">
-                <a:latin typeface="Segoe UI Light" panose="020B0502040204020203" pitchFamily="34" charset="0"/>
-                <a:cs typeface="Segoe UI Light" panose="020B0502040204020203" pitchFamily="34" charset="0"/>
-              </a:rPr>
-              <a:t>(8)</a:t>
-            </a:r>
-            <a:endParaRPr lang="en-US" dirty="0"/>
-          </a:p>
-        </p:txBody>
-      </p:sp>
-      <p:sp>
-        <p:nvSpPr>
-          <p:cNvPr id="15" name="Rectangle 14"/>
-          <p:cNvSpPr/>
-          <p:nvPr/>
-        </p:nvSpPr>
-        <p:spPr>
-          <a:xfrm>
-            <a:off x="407525" y="2627620"/>
-            <a:ext cx="3455433" cy="369332"/>
-          </a:xfrm>
-          <a:prstGeom prst="rect">
-            <a:avLst/>
-          </a:prstGeom>
-        </p:spPr>
-        <p:txBody>
-          <a:bodyPr wrap="none">
-            <a:spAutoFit/>
-          </a:bodyPr>
-          <a:lstStyle/>
-          <a:p>
-            <a:r>
-              <a:rPr lang="en-US" dirty="0" smtClean="0"/>
-              <a:t>Examples of composit Primary Key </a:t>
-            </a:r>
-            <a:endParaRPr lang="en-US" dirty="0"/>
-          </a:p>
-        </p:txBody>
-      </p:sp>
-      <p:sp>
-        <p:nvSpPr>
-          <p:cNvPr id="19" name="Rectangle 18"/>
-          <p:cNvSpPr/>
-          <p:nvPr/>
-        </p:nvSpPr>
-        <p:spPr>
-          <a:xfrm>
-            <a:off x="334566" y="1015568"/>
-            <a:ext cx="11521280" cy="1477328"/>
-          </a:xfrm>
-          <a:prstGeom prst="rect">
-            <a:avLst/>
-          </a:prstGeom>
-        </p:spPr>
-        <p:txBody>
-          <a:bodyPr wrap="square">
-            <a:spAutoFit/>
-          </a:bodyPr>
-          <a:lstStyle/>
-          <a:p>
-            <a:r>
-              <a:rPr lang="en-US" b="1" dirty="0" smtClean="0">
-                <a:latin typeface="Palatino Linotype" pitchFamily="18" charset="0"/>
-              </a:rPr>
-              <a:t>Composite key</a:t>
-            </a:r>
-            <a:r>
-              <a:rPr lang="en-US" dirty="0" smtClean="0">
-                <a:latin typeface="Palatino Linotype" pitchFamily="18" charset="0"/>
-              </a:rPr>
-              <a:t>, or </a:t>
-            </a:r>
-            <a:r>
-              <a:rPr lang="en-US" b="1" dirty="0" smtClean="0">
-                <a:latin typeface="Palatino Linotype" pitchFamily="18" charset="0"/>
-              </a:rPr>
-              <a:t>composite primary key</a:t>
-            </a:r>
-            <a:r>
-              <a:rPr lang="en-US" dirty="0" smtClean="0">
-                <a:latin typeface="Palatino Linotype" pitchFamily="18" charset="0"/>
-              </a:rPr>
-              <a:t>, refers to cases where more than one column is used to specify the </a:t>
-            </a:r>
-            <a:r>
-              <a:rPr lang="en-US" b="1" dirty="0" smtClean="0">
-                <a:latin typeface="Palatino Linotype" pitchFamily="18" charset="0"/>
-              </a:rPr>
-              <a:t>primary key</a:t>
-            </a:r>
-            <a:r>
-              <a:rPr lang="en-US" dirty="0" smtClean="0">
-                <a:latin typeface="Palatino Linotype" pitchFamily="18" charset="0"/>
-              </a:rPr>
-              <a:t> of a table. In such cases, all foreign </a:t>
-            </a:r>
-            <a:r>
-              <a:rPr lang="en-US" b="1" dirty="0" smtClean="0">
-                <a:latin typeface="Palatino Linotype" pitchFamily="18" charset="0"/>
-              </a:rPr>
-              <a:t>keys</a:t>
-            </a:r>
-            <a:r>
-              <a:rPr lang="en-US" dirty="0" smtClean="0">
-                <a:latin typeface="Palatino Linotype" pitchFamily="18" charset="0"/>
-              </a:rPr>
-              <a:t> will also need to include all the columns in the </a:t>
-            </a:r>
-            <a:r>
-              <a:rPr lang="en-US" b="1" dirty="0" smtClean="0">
-                <a:latin typeface="Palatino Linotype" pitchFamily="18" charset="0"/>
-              </a:rPr>
-              <a:t>composite key</a:t>
-            </a:r>
-            <a:r>
-              <a:rPr lang="en-US" dirty="0" smtClean="0">
-                <a:latin typeface="Palatino Linotype" pitchFamily="18" charset="0"/>
-              </a:rPr>
-              <a:t>. </a:t>
-            </a:r>
-          </a:p>
-          <a:p>
-            <a:endParaRPr lang="en-US" dirty="0" smtClean="0">
-              <a:latin typeface="Palatino Linotype" pitchFamily="18" charset="0"/>
-            </a:endParaRPr>
-          </a:p>
-          <a:p>
-            <a:r>
-              <a:rPr lang="en-US" dirty="0" smtClean="0">
-                <a:latin typeface="Palatino Linotype" pitchFamily="18" charset="0"/>
-              </a:rPr>
-              <a:t>Note that the columns that make up a </a:t>
-            </a:r>
-            <a:r>
-              <a:rPr lang="en-US" b="1" dirty="0" smtClean="0">
-                <a:latin typeface="Palatino Linotype" pitchFamily="18" charset="0"/>
-              </a:rPr>
-              <a:t>composite key</a:t>
-            </a:r>
-            <a:r>
-              <a:rPr lang="en-US" dirty="0" smtClean="0">
-                <a:latin typeface="Palatino Linotype" pitchFamily="18" charset="0"/>
-              </a:rPr>
-              <a:t> can be of different data types.</a:t>
-            </a:r>
-            <a:endParaRPr lang="en-US" dirty="0">
-              <a:latin typeface="Palatino Linotype" pitchFamily="18" charset="0"/>
-            </a:endParaRPr>
-          </a:p>
-        </p:txBody>
-      </p:sp>
-      <p:pic>
-        <p:nvPicPr>
-          <p:cNvPr id="716802" name="Picture 2"/>
-          <p:cNvPicPr>
-            <a:picLocks noChangeAspect="1" noChangeArrowheads="1"/>
-          </p:cNvPicPr>
-          <p:nvPr/>
-        </p:nvPicPr>
-        <p:blipFill>
-          <a:blip r:embed="rId3" cstate="print"/>
-          <a:srcRect/>
-          <a:stretch>
-            <a:fillRect/>
-          </a:stretch>
-        </p:blipFill>
-        <p:spPr bwMode="auto">
-          <a:xfrm>
-            <a:off x="8903518" y="3356992"/>
-            <a:ext cx="1785798" cy="2232248"/>
-          </a:xfrm>
-          <a:prstGeom prst="rect">
-            <a:avLst/>
-          </a:prstGeom>
-          <a:noFill/>
-          <a:ln w="9525">
-            <a:noFill/>
-            <a:miter lim="800000"/>
-            <a:headEnd/>
-            <a:tailEnd/>
-          </a:ln>
-        </p:spPr>
-      </p:pic>
-      <p:sp>
-        <p:nvSpPr>
-          <p:cNvPr id="20" name="Rectangle 19"/>
-          <p:cNvSpPr/>
-          <p:nvPr/>
-        </p:nvSpPr>
-        <p:spPr>
-          <a:xfrm>
-            <a:off x="478583" y="3284984"/>
-            <a:ext cx="3744416" cy="2308324"/>
-          </a:xfrm>
-          <a:prstGeom prst="rect">
-            <a:avLst/>
-          </a:prstGeom>
-        </p:spPr>
-        <p:txBody>
-          <a:bodyPr wrap="square">
-            <a:spAutoFit/>
-          </a:bodyPr>
-          <a:lstStyle/>
-          <a:p>
-            <a:r>
-              <a:rPr lang="en-US" dirty="0" smtClean="0"/>
-              <a:t>CREATE TABLE student (</a:t>
-            </a:r>
-          </a:p>
-          <a:p>
-            <a:r>
-              <a:rPr lang="en-US" dirty="0" smtClean="0"/>
-              <a:t>   ID INT(11),</a:t>
-            </a:r>
-          </a:p>
-          <a:p>
-            <a:r>
-              <a:rPr lang="en-US" dirty="0" smtClean="0"/>
-              <a:t>   firstName VARCHAR(45),</a:t>
-            </a:r>
-          </a:p>
-          <a:p>
-            <a:r>
-              <a:rPr lang="en-US" dirty="0" smtClean="0"/>
-              <a:t>   lastName VARCHAR(45),</a:t>
-            </a:r>
-          </a:p>
-          <a:p>
-            <a:r>
-              <a:rPr lang="en-US" dirty="0" smtClean="0"/>
-              <a:t>   DoB DATE, </a:t>
-            </a:r>
-          </a:p>
-          <a:p>
-            <a:r>
-              <a:rPr lang="en-US" dirty="0" smtClean="0"/>
-              <a:t>   emailID VARCHAR(145),</a:t>
-            </a:r>
-          </a:p>
-          <a:p>
-            <a:r>
-              <a:rPr lang="en-US" dirty="0" smtClean="0"/>
-              <a:t>   PRIMARY KEY (ID, emailID)</a:t>
-            </a:r>
-          </a:p>
-          <a:p>
-            <a:r>
-              <a:rPr lang="en-US" dirty="0" smtClean="0"/>
-              <a:t>);</a:t>
-            </a:r>
-            <a:endParaRPr lang="en-US" dirty="0"/>
-          </a:p>
-        </p:txBody>
-      </p:sp>
-      <p:pic>
-        <p:nvPicPr>
-          <p:cNvPr id="716803" name="Picture 3"/>
-          <p:cNvPicPr>
-            <a:picLocks noChangeAspect="1" noChangeArrowheads="1"/>
-          </p:cNvPicPr>
-          <p:nvPr/>
-        </p:nvPicPr>
-        <p:blipFill>
-          <a:blip r:embed="rId4" cstate="print"/>
-          <a:srcRect/>
-          <a:stretch>
-            <a:fillRect/>
-          </a:stretch>
-        </p:blipFill>
-        <p:spPr bwMode="auto">
-          <a:xfrm>
-            <a:off x="4006974" y="3573016"/>
-            <a:ext cx="4582327" cy="1440160"/>
-          </a:xfrm>
-          <a:prstGeom prst="rect">
-            <a:avLst/>
-          </a:prstGeom>
-          <a:noFill/>
-          <a:ln w="9525">
-            <a:noFill/>
-            <a:miter lim="800000"/>
-            <a:headEnd/>
-            <a:tailEnd/>
-          </a:ln>
-        </p:spPr>
-      </p:pic>
-    </p:spTree>
-    <p:extLst>
-      <p:ext uri="{BB962C8B-B14F-4D97-AF65-F5344CB8AC3E}">
-        <p14:creationId xmlns:p14="http://schemas.microsoft.com/office/powerpoint/2010/main" xmlns="" val="2850906017"/>
-      </p:ext>
-    </p:extLst>
-  </p:cSld>
-  <p:clrMapOvr>
-    <a:masterClrMapping/>
-  </p:clrMapOvr>
-  <p:transition spd="slow"/>
-  <p:timing>
-    <p:tnLst>
-      <p:par>
-        <p:cTn id="1" dur="indefinite" restart="never" nodeType="tmRoot"/>
-      </p:par>
-    </p:tnLst>
-  </p:timing>
-</p:sld>
-</file>
-
-<file path=ppt/slides/slide5.xml><?xml version="1.0" encoding="utf-8"?>
-<p:sld xmlns:a="http://schemas.openxmlformats.org/drawingml/2006/main" xmlns:r="http://schemas.openxmlformats.org/officeDocument/2006/relationships" xmlns:p="http://schemas.openxmlformats.org/presentationml/2006/main">
-  <p:cSld>
-    <p:spTree>
-      <p:nvGrpSpPr>
-        <p:cNvPr id="1" name=""/>
-        <p:cNvGrpSpPr/>
-        <p:nvPr/>
-      </p:nvGrpSpPr>
-      <p:grpSpPr>
-        <a:xfrm>
-          <a:off x="0" y="0"/>
-          <a:ext cx="0" cy="0"/>
-          <a:chOff x="0" y="0"/>
-          <a:chExt cx="0" cy="0"/>
-        </a:xfrm>
-      </p:grpSpPr>
-      <p:sp>
-        <p:nvSpPr>
-          <p:cNvPr id="5" name="Rectangle 4"/>
-          <p:cNvSpPr/>
-          <p:nvPr/>
-        </p:nvSpPr>
-        <p:spPr>
-          <a:xfrm>
-            <a:off x="358716" y="899428"/>
-            <a:ext cx="9281562" cy="369332"/>
-          </a:xfrm>
-          <a:prstGeom prst="rect">
-            <a:avLst/>
-          </a:prstGeom>
-        </p:spPr>
-        <p:txBody>
-          <a:bodyPr wrap="square">
-            <a:spAutoFit/>
-          </a:bodyPr>
-          <a:lstStyle/>
-          <a:p>
-            <a:r>
-              <a:rPr lang="en-US" dirty="0" smtClean="0"/>
-              <a:t>The </a:t>
-            </a:r>
-            <a:r>
-              <a:rPr lang="en-US" b="1" dirty="0" smtClean="0"/>
-              <a:t>INSERT</a:t>
-            </a:r>
-            <a:r>
-              <a:rPr lang="en-US" dirty="0" smtClean="0"/>
-              <a:t> </a:t>
-            </a:r>
-            <a:r>
-              <a:rPr lang="en-US" b="1" dirty="0" smtClean="0"/>
-              <a:t>INTO</a:t>
-            </a:r>
-            <a:r>
-              <a:rPr lang="en-US" dirty="0" smtClean="0"/>
-              <a:t> s</a:t>
-            </a:r>
-            <a:r>
-              <a:rPr lang="en-US" b="1" dirty="0" smtClean="0"/>
-              <a:t>tatement</a:t>
-            </a:r>
-            <a:r>
-              <a:rPr lang="en-US" dirty="0" smtClean="0"/>
-              <a:t> is used to add new rows of data to a table in the database.</a:t>
-            </a:r>
-            <a:endParaRPr lang="en-IN" dirty="0">
-              <a:latin typeface="Palatino Linotype" panose="02040502050505030304" pitchFamily="18" charset="0"/>
-              <a:cs typeface="Arial" panose="020B0604020202020204" pitchFamily="34" charset="0"/>
-            </a:endParaRPr>
-          </a:p>
-        </p:txBody>
-      </p:sp>
-      <p:pic>
-        <p:nvPicPr>
-          <p:cNvPr id="18" name="Picture 17">
-            <a:extLst>
-              <a:ext uri="{FF2B5EF4-FFF2-40B4-BE49-F238E27FC236}">
-                <a16:creationId xmlns="" xmlns:a16="http://schemas.microsoft.com/office/drawing/2014/main" id="{1BC29D4B-0260-49F9-9E5E-2135514E8A88}"/>
+                <a16:creationId xmlns="" xmlns:a16="http://schemas.microsoft.com/office/drawing/2014/main" id="{CA300AF8-3A8B-41EE-96B3-AEAC198AD8CA}"/>
               </a:ext>
             </a:extLst>
           </p:cNvPr>
@@ -6834,10 +6214,10 @@
       </p:pic>
       <p:sp>
         <p:nvSpPr>
-          <p:cNvPr id="19" name="Footer Placeholder 2">
+          <p:cNvPr id="9" name="Footer Placeholder 2">
             <a:extLst>
               <a:ext uri="{FF2B5EF4-FFF2-40B4-BE49-F238E27FC236}">
-                <a16:creationId xmlns="" xmlns:a16="http://schemas.microsoft.com/office/drawing/2014/main" id="{379BDE68-4144-4701-89F7-BDDAFF7975E1}"/>
+                <a16:creationId xmlns="" xmlns:a16="http://schemas.microsoft.com/office/drawing/2014/main" id="{49968677-CC8A-4C35-AABA-97CFF73A1AB5}"/>
               </a:ext>
             </a:extLst>
           </p:cNvPr>
@@ -6966,7 +6346,7 @@
       </p:sp>
       <p:sp>
         <p:nvSpPr>
-          <p:cNvPr id="21" name="Rectangle 20">
+          <p:cNvPr id="10" name="Rectangle 9">
             <a:extLst>
               <a:ext uri="{FF2B5EF4-FFF2-40B4-BE49-F238E27FC236}">
                 <a16:creationId xmlns="" xmlns:a16="http://schemas.microsoft.com/office/drawing/2014/main" id="{09A4DD51-F450-4FA7-BA18-C2A26D10D72C}"/>
@@ -7001,7 +6381,7 @@
             </a:pPr>
             <a:r>
               <a:rPr lang="en-US" sz="3600" dirty="0" smtClean="0"/>
-              <a:t>INSERT</a:t>
+              <a:t>Composit key</a:t>
             </a:r>
             <a:endParaRPr lang="en-US" sz="3600" dirty="0"/>
           </a:p>
@@ -7009,14 +6389,75 @@
       </p:sp>
       <p:sp>
         <p:nvSpPr>
-          <p:cNvPr id="25" name="Rectangle 24"/>
+          <p:cNvPr id="11" name="Rectangle 10"/>
           <p:cNvSpPr/>
           <p:nvPr/>
         </p:nvSpPr>
         <p:spPr>
           <a:xfrm>
-            <a:off x="190550" y="1556792"/>
-            <a:ext cx="11809312" cy="4093428"/>
+            <a:off x="11755679" y="0"/>
+            <a:ext cx="434734" cy="369332"/>
+          </a:xfrm>
+          <a:prstGeom prst="rect">
+            <a:avLst/>
+          </a:prstGeom>
+        </p:spPr>
+        <p:txBody>
+          <a:bodyPr wrap="none">
+            <a:spAutoFit/>
+          </a:bodyPr>
+          <a:lstStyle/>
+          <a:p>
+            <a:r>
+              <a:rPr lang="en-IN" dirty="0" smtClean="0">
+                <a:latin typeface="Segoe UI Light" panose="020B0502040204020203" pitchFamily="34" charset="0"/>
+                <a:cs typeface="Segoe UI Light" panose="020B0502040204020203" pitchFamily="34" charset="0"/>
+              </a:rPr>
+              <a:t>(8)</a:t>
+            </a:r>
+            <a:endParaRPr lang="en-US" dirty="0"/>
+          </a:p>
+        </p:txBody>
+      </p:sp>
+      <p:sp>
+        <p:nvSpPr>
+          <p:cNvPr id="15" name="Rectangle 14"/>
+          <p:cNvSpPr/>
+          <p:nvPr/>
+        </p:nvSpPr>
+        <p:spPr>
+          <a:xfrm>
+            <a:off x="407525" y="2627620"/>
+            <a:ext cx="3455433" cy="369332"/>
+          </a:xfrm>
+          <a:prstGeom prst="rect">
+            <a:avLst/>
+          </a:prstGeom>
+        </p:spPr>
+        <p:txBody>
+          <a:bodyPr wrap="none">
+            <a:spAutoFit/>
+          </a:bodyPr>
+          <a:lstStyle/>
+          <a:p>
+            <a:r>
+              <a:rPr lang="en-US" dirty="0" smtClean="0"/>
+              <a:t>Examples of composit Primary Key </a:t>
+            </a:r>
+            <a:endParaRPr lang="en-US" dirty="0"/>
+          </a:p>
+        </p:txBody>
+      </p:sp>
+      <p:sp>
+        <p:nvSpPr>
+          <p:cNvPr id="19" name="Rectangle 18"/>
+          <p:cNvSpPr/>
+          <p:nvPr/>
+        </p:nvSpPr>
+        <p:spPr>
+          <a:xfrm>
+            <a:off x="334566" y="1015568"/>
+            <a:ext cx="11521280" cy="1477328"/>
           </a:xfrm>
           <a:prstGeom prst="rect">
             <a:avLst/>
@@ -7028,209 +6469,250 @@
           </a:bodyPr>
           <a:lstStyle/>
           <a:p>
-            <a:pPr marL="342900" indent="-342900">
-              <a:buFont typeface="Arial" pitchFamily="34" charset="0"/>
-              <a:buChar char="•"/>
-            </a:pPr>
+            <a:r>
+              <a:rPr lang="en-US" b="1" dirty="0" smtClean="0">
+                <a:latin typeface="Palatino Linotype" pitchFamily="18" charset="0"/>
+              </a:rPr>
+              <a:t>Composite key</a:t>
+            </a:r>
             <a:r>
               <a:rPr lang="en-US" dirty="0" smtClean="0">
-                <a:latin typeface="Calibri (Body)"/>
-                <a:cs typeface="Arial" pitchFamily="34" charset="0"/>
+                <a:latin typeface="Palatino Linotype" pitchFamily="18" charset="0"/>
               </a:rPr>
-              <a:t>INSERT INTO student VALUES (1, 'ramesh', 'patel', '1999-10-17', 'ramesh.patel@gmail.com');</a:t>
-            </a:r>
-          </a:p>
-          <a:p>
-            <a:pPr marL="342900" indent="-342900">
-              <a:buFont typeface="Arial" pitchFamily="34" charset="0"/>
-              <a:buChar char="•"/>
-            </a:pPr>
+              <a:t>, or </a:t>
+            </a:r>
+            <a:r>
+              <a:rPr lang="en-US" b="1" dirty="0" smtClean="0">
+                <a:latin typeface="Palatino Linotype" pitchFamily="18" charset="0"/>
+              </a:rPr>
+              <a:t>composite primary key</a:t>
+            </a:r>
             <a:r>
               <a:rPr lang="en-US" dirty="0" smtClean="0">
-                <a:latin typeface="Calibri (Body)"/>
-                <a:cs typeface="Arial" pitchFamily="34" charset="0"/>
+                <a:latin typeface="Palatino Linotype" pitchFamily="18" charset="0"/>
               </a:rPr>
-              <a:t>INSERT INTO student VALUES (2, 'rajesh', 'mehta', '2000-12-20', 'rajesh.mehta@gmail.com');</a:t>
-            </a:r>
-          </a:p>
-          <a:p>
-            <a:pPr marL="342900" indent="-342900">
-              <a:buFont typeface="Arial" pitchFamily="34" charset="0"/>
-              <a:buChar char="•"/>
-            </a:pPr>
+              <a:t>, refers to cases where more than one column is used to specify the </a:t>
+            </a:r>
+            <a:r>
+              <a:rPr lang="en-US" b="1" dirty="0" smtClean="0">
+                <a:latin typeface="Palatino Linotype" pitchFamily="18" charset="0"/>
+              </a:rPr>
+              <a:t>primary key</a:t>
+            </a:r>
             <a:r>
               <a:rPr lang="en-US" dirty="0" smtClean="0">
-                <a:latin typeface="Calibri (Body)"/>
-                <a:cs typeface="Arial" pitchFamily="34" charset="0"/>
+                <a:latin typeface="Palatino Linotype" pitchFamily="18" charset="0"/>
               </a:rPr>
-              <a:t>INSERT INTO student VALUES (3, 'vipul', 'shah', '2001-07-19', 'shahvipul@yahoomail.com');</a:t>
-            </a:r>
-          </a:p>
-          <a:p>
-            <a:pPr marL="342900" indent="-342900">
-              <a:buFont typeface="Arial" pitchFamily="34" charset="0"/>
-              <a:buChar char="•"/>
-            </a:pPr>
+              <a:t> of a table. In such cases, all foreign </a:t>
+            </a:r>
+            <a:r>
+              <a:rPr lang="en-US" b="1" dirty="0" smtClean="0">
+                <a:latin typeface="Palatino Linotype" pitchFamily="18" charset="0"/>
+              </a:rPr>
+              <a:t>keys</a:t>
+            </a:r>
             <a:r>
               <a:rPr lang="en-US" dirty="0" smtClean="0">
-                <a:latin typeface="Calibri (Body)"/>
-                <a:cs typeface="Arial" pitchFamily="34" charset="0"/>
+                <a:latin typeface="Palatino Linotype" pitchFamily="18" charset="0"/>
               </a:rPr>
-              <a:t>INSERT INTO student VALUES (4, 'kamlesh', 'kaka', '2002-11-26', 'kamlesh.kaka@gmail.com');</a:t>
-            </a:r>
-          </a:p>
-          <a:p>
-            <a:pPr marL="342900" indent="-342900">
-              <a:buFont typeface="Arial" pitchFamily="34" charset="0"/>
-              <a:buChar char="•"/>
-            </a:pPr>
+              <a:t> will also need to include all the columns in the </a:t>
+            </a:r>
+            <a:r>
+              <a:rPr lang="en-US" b="1" dirty="0" smtClean="0">
+                <a:latin typeface="Palatino Linotype" pitchFamily="18" charset="0"/>
+              </a:rPr>
+              <a:t>composite key</a:t>
+            </a:r>
+            <a:r>
+              <a:rPr lang="en-US" dirty="0" smtClean="0">
+                <a:latin typeface="Palatino Linotype" pitchFamily="18" charset="0"/>
+              </a:rPr>
+              <a:t>. </a:t>
+            </a:r>
+          </a:p>
+          <a:p>
             <a:endParaRPr lang="en-US" dirty="0" smtClean="0">
-              <a:latin typeface="Calibri (Body)"/>
-              <a:cs typeface="Arial" pitchFamily="34" charset="0"/>
+              <a:latin typeface="Palatino Linotype" pitchFamily="18" charset="0"/>
             </a:endParaRPr>
           </a:p>
           <a:p>
-            <a:pPr marL="342900" indent="-342900">
-              <a:buFont typeface="Arial" pitchFamily="34" charset="0"/>
-              <a:buChar char="•"/>
-            </a:pPr>
             <a:r>
               <a:rPr lang="en-US" dirty="0" smtClean="0">
-                <a:latin typeface="Calibri (Body)"/>
-                <a:cs typeface="Arial" pitchFamily="34" charset="0"/>
+                <a:latin typeface="Palatino Linotype" pitchFamily="18" charset="0"/>
               </a:rPr>
-              <a:t>INSERT INTO student VALUES (default, 'ramlal', 'kumar', '2000-11-07', 'ramlal447@gmail.com');</a:t>
-            </a:r>
-          </a:p>
-          <a:p>
-            <a:pPr marL="342900" indent="-342900">
-              <a:buFont typeface="Arial" pitchFamily="34" charset="0"/>
-              <a:buChar char="•"/>
-            </a:pPr>
+              <a:t>Note that the columns that make up a </a:t>
+            </a:r>
+            <a:r>
+              <a:rPr lang="en-US" b="1" dirty="0" smtClean="0">
+                <a:latin typeface="Palatino Linotype" pitchFamily="18" charset="0"/>
+              </a:rPr>
+              <a:t>composite key</a:t>
+            </a:r>
             <a:r>
               <a:rPr lang="en-US" dirty="0" smtClean="0">
-                <a:latin typeface="Calibri (Body)"/>
-                <a:cs typeface="Arial" pitchFamily="34" charset="0"/>
+                <a:latin typeface="Palatino Linotype" pitchFamily="18" charset="0"/>
               </a:rPr>
-              <a:t>INSERT INTO student VALUES (default, 'raj', 'sharma', '2001-12-20', 'raj1999@gmail.com');</a:t>
-            </a:r>
-          </a:p>
-          <a:p>
-            <a:pPr marL="342900" indent="-342900">
-              <a:buFont typeface="Arial" pitchFamily="34" charset="0"/>
-              <a:buChar char="•"/>
-            </a:pPr>
-            <a:r>
-              <a:rPr lang="en-US" dirty="0" smtClean="0">
-                <a:latin typeface="Calibri (Body)"/>
-                <a:cs typeface="Arial" pitchFamily="34" charset="0"/>
-              </a:rPr>
-              <a:t>INSERT INTO student VALUES (default, 'bimal', 'verma', '1998-07-19', 'bimal1984@yahoomail.com');</a:t>
-            </a:r>
-          </a:p>
-          <a:p>
-            <a:pPr marL="342900" indent="-342900">
-              <a:buFont typeface="Arial" pitchFamily="34" charset="0"/>
-              <a:buChar char="•"/>
-            </a:pPr>
-            <a:r>
-              <a:rPr lang="en-US" dirty="0" smtClean="0">
-                <a:latin typeface="Calibri (Body)"/>
-                <a:cs typeface="Arial" pitchFamily="34" charset="0"/>
-              </a:rPr>
-              <a:t>INSERT INTO student VALUES (default, 'kamlesh', 'kumar', '1999-11-26', 'kamlesh1623@gmail.com');</a:t>
-            </a:r>
-          </a:p>
-          <a:p>
-            <a:pPr marL="342900" indent="-342900">
-              <a:buFont typeface="Arial" pitchFamily="34" charset="0"/>
-              <a:buChar char="•"/>
-            </a:pPr>
-            <a:endParaRPr lang="en-US" dirty="0" smtClean="0">
-              <a:latin typeface="Calibri (Body)"/>
-              <a:cs typeface="Arial" pitchFamily="34" charset="0"/>
+              <a:t> can be of different data types.</a:t>
+            </a:r>
+            <a:endParaRPr lang="en-US" dirty="0">
+              <a:latin typeface="Palatino Linotype" pitchFamily="18" charset="0"/>
             </a:endParaRPr>
           </a:p>
-          <a:p>
-            <a:pPr marL="342900" indent="-342900">
-              <a:buFont typeface="Arial" pitchFamily="34" charset="0"/>
-              <a:buChar char="•"/>
-            </a:pPr>
-            <a:r>
-              <a:rPr lang="en-US" dirty="0" smtClean="0">
-                <a:latin typeface="Calibri (Body)"/>
-                <a:cs typeface="Arial" pitchFamily="34" charset="0"/>
-              </a:rPr>
-              <a:t>INSERT INTO student (ID, firstName, lastName, DoB, emailID) VALUES (9, 'rajesh', 'mehta', '2000-12-20', 'rajesh.mehta@gmail.com');</a:t>
-            </a:r>
-          </a:p>
-          <a:p>
-            <a:pPr marL="342900" indent="-342900">
-              <a:buFont typeface="Arial" pitchFamily="34" charset="0"/>
-              <a:buChar char="•"/>
-            </a:pPr>
-            <a:r>
-              <a:rPr lang="en-US" dirty="0" smtClean="0">
-                <a:latin typeface="Calibri (Body)"/>
-                <a:cs typeface="Arial" pitchFamily="34" charset="0"/>
-              </a:rPr>
-              <a:t>INSERT INTO student (firstName, lastName, DoB, emailID) VALUES ('raj', 'sharma', '2001-12-20', 'raj1999@gmail.com');</a:t>
-            </a:r>
-          </a:p>
-          <a:p>
-            <a:pPr marL="342900" indent="-342900">
-              <a:buFont typeface="Arial" pitchFamily="34" charset="0"/>
-              <a:buChar char="•"/>
-            </a:pPr>
-            <a:endParaRPr lang="en-US" sz="800" dirty="0" smtClean="0">
-              <a:latin typeface="Calibri (Body)"/>
-              <a:cs typeface="Arial" pitchFamily="34" charset="0"/>
-            </a:endParaRPr>
-          </a:p>
-        </p:txBody>
-      </p:sp>
-      <p:sp>
-        <p:nvSpPr>
-          <p:cNvPr id="36" name="Rectangle 35"/>
+        </p:txBody>
+      </p:sp>
+      <p:pic>
+        <p:nvPicPr>
+          <p:cNvPr id="716802" name="Picture 2"/>
+          <p:cNvPicPr>
+            <a:picLocks noChangeAspect="1" noChangeArrowheads="1"/>
+          </p:cNvPicPr>
+          <p:nvPr/>
+        </p:nvPicPr>
+        <p:blipFill>
+          <a:blip r:embed="rId3" cstate="print"/>
+          <a:srcRect/>
+          <a:stretch>
+            <a:fillRect/>
+          </a:stretch>
+        </p:blipFill>
+        <p:spPr bwMode="auto">
+          <a:xfrm>
+            <a:off x="8903518" y="3356992"/>
+            <a:ext cx="1785798" cy="2232248"/>
+          </a:xfrm>
+          <a:prstGeom prst="rect">
+            <a:avLst/>
+          </a:prstGeom>
+          <a:noFill/>
+          <a:ln w="9525">
+            <a:noFill/>
+            <a:miter lim="800000"/>
+            <a:headEnd/>
+            <a:tailEnd/>
+          </a:ln>
+        </p:spPr>
+      </p:pic>
+      <p:sp>
+        <p:nvSpPr>
+          <p:cNvPr id="20" name="Rectangle 19"/>
           <p:cNvSpPr/>
           <p:nvPr/>
         </p:nvSpPr>
         <p:spPr>
           <a:xfrm>
-            <a:off x="11755679" y="0"/>
-            <a:ext cx="516488" cy="369332"/>
-          </a:xfrm>
-          <a:prstGeom prst="rect">
-            <a:avLst/>
-          </a:prstGeom>
-        </p:spPr>
-        <p:txBody>
-          <a:bodyPr wrap="none">
+            <a:off x="478583" y="3284984"/>
+            <a:ext cx="3744416" cy="2308324"/>
+          </a:xfrm>
+          <a:prstGeom prst="rect">
+            <a:avLst/>
+          </a:prstGeom>
+        </p:spPr>
+        <p:txBody>
+          <a:bodyPr wrap="square">
             <a:spAutoFit/>
           </a:bodyPr>
           <a:lstStyle/>
           <a:p>
             <a:r>
-              <a:rPr lang="en-IN" dirty="0" smtClean="0">
-                <a:latin typeface="Segoe UI Light" panose="020B0502040204020203" pitchFamily="34" charset="0"/>
-                <a:cs typeface="Segoe UI Light" panose="020B0502040204020203" pitchFamily="34" charset="0"/>
-              </a:rPr>
-              <a:t>(10)</a:t>
+              <a:rPr lang="en-US" dirty="0" smtClean="0"/>
+              <a:t>CREATE TABLE student (</a:t>
+            </a:r>
+          </a:p>
+          <a:p>
+            <a:r>
+              <a:rPr lang="en-US" dirty="0" smtClean="0"/>
+              <a:t>   ID INT(11),</a:t>
+            </a:r>
+          </a:p>
+          <a:p>
+            <a:r>
+              <a:rPr lang="en-US" dirty="0" smtClean="0"/>
+              <a:t>   firstName VARCHAR(45),</a:t>
+            </a:r>
+          </a:p>
+          <a:p>
+            <a:r>
+              <a:rPr lang="en-US" dirty="0" smtClean="0"/>
+              <a:t>   lastName VARCHAR(45),</a:t>
+            </a:r>
+          </a:p>
+          <a:p>
+            <a:r>
+              <a:rPr lang="en-US" dirty="0" smtClean="0"/>
+              <a:t>   DoB DATE, </a:t>
+            </a:r>
+          </a:p>
+          <a:p>
+            <a:r>
+              <a:rPr lang="en-US" dirty="0" smtClean="0"/>
+              <a:t>   emailID VARCHAR(145),</a:t>
+            </a:r>
+          </a:p>
+          <a:p>
+            <a:r>
+              <a:rPr lang="en-US" dirty="0" smtClean="0"/>
+              <a:t>   PRIMARY KEY (ID, emailID)</a:t>
+            </a:r>
+          </a:p>
+          <a:p>
+            <a:r>
+              <a:rPr lang="en-US" dirty="0" smtClean="0"/>
+              <a:t>);</a:t>
             </a:r>
             <a:endParaRPr lang="en-US" dirty="0"/>
           </a:p>
         </p:txBody>
       </p:sp>
+      <p:pic>
+        <p:nvPicPr>
+          <p:cNvPr id="716803" name="Picture 3"/>
+          <p:cNvPicPr>
+            <a:picLocks noChangeAspect="1" noChangeArrowheads="1"/>
+          </p:cNvPicPr>
+          <p:nvPr/>
+        </p:nvPicPr>
+        <p:blipFill>
+          <a:blip r:embed="rId4" cstate="print"/>
+          <a:srcRect/>
+          <a:stretch>
+            <a:fillRect/>
+          </a:stretch>
+        </p:blipFill>
+        <p:spPr bwMode="auto">
+          <a:xfrm>
+            <a:off x="4006974" y="3573016"/>
+            <a:ext cx="4582327" cy="1440160"/>
+          </a:xfrm>
+          <a:prstGeom prst="rect">
+            <a:avLst/>
+          </a:prstGeom>
+          <a:noFill/>
+          <a:ln w="9525">
+            <a:noFill/>
+            <a:miter lim="800000"/>
+            <a:headEnd/>
+            <a:tailEnd/>
+          </a:ln>
+        </p:spPr>
+      </p:pic>
     </p:spTree>
     <p:extLst>
       <p:ext uri="{BB962C8B-B14F-4D97-AF65-F5344CB8AC3E}">
-        <p14:creationId xmlns="" xmlns:p14="http://schemas.microsoft.com/office/powerpoint/2010/main" val="3166758523"/>
+        <p14:creationId xmlns="" xmlns:p14="http://schemas.microsoft.com/office/powerpoint/2010/main" val="2850906017"/>
       </p:ext>
     </p:extLst>
   </p:cSld>
   <p:clrMapOvr>
     <a:masterClrMapping/>
   </p:clrMapOvr>
+  <p:transition spd="slow"/>
+  <p:timing>
+    <p:tnLst>
+      <p:par>
+        <p:cTn id="1" dur="indefinite" restart="never" nodeType="tmRoot"/>
+      </p:par>
+    </p:tnLst>
+  </p:timing>
 </p:sld>
 </file>
 
